--- a/tutorial/T10/tutorial10.pptx
+++ b/tutorial/T10/tutorial10.pptx
@@ -5,7 +5,7 @@
     <p:sldMasterId id="2147483720" r:id="rId1"/>
   </p:sldMasterIdLst>
   <p:notesMasterIdLst>
-    <p:notesMasterId r:id="rId29"/>
+    <p:notesMasterId r:id="rId30"/>
   </p:notesMasterIdLst>
   <p:sldIdLst>
     <p:sldId id="256" r:id="rId2"/>
@@ -35,6 +35,7 @@
     <p:sldId id="2884" r:id="rId26"/>
     <p:sldId id="2885" r:id="rId27"/>
     <p:sldId id="2886" r:id="rId28"/>
+    <p:sldId id="2888" r:id="rId29"/>
   </p:sldIdLst>
   <p:sldSz cx="12192000" cy="6858000"/>
   <p:notesSz cx="6858000" cy="9144000"/>
@@ -592,7 +593,7 @@
           <a:p>
             <a:fld id="{CDA3E50C-8D29-CD49-81E6-E25A0B0BA059}" type="datetimeFigureOut">
               <a:rPr kumimoji="1" lang="zh-CN" altLang="en-US" smtClean="0"/>
-              <a:t>2023/3/29</a:t>
+              <a:t>2023/3/30</a:t>
             </a:fld>
             <a:endParaRPr kumimoji="1" lang="zh-CN" altLang="en-US"/>
           </a:p>
@@ -1085,7 +1086,7 @@
           <a:p>
             <a:fld id="{72967F8A-97EE-0B4B-A5F1-E966258AA9F0}" type="datetime1">
               <a:rPr kumimoji="1" lang="zh-CN" altLang="en-US" smtClean="0"/>
-              <a:t>2023/3/29</a:t>
+              <a:t>2023/3/30</a:t>
             </a:fld>
             <a:endParaRPr kumimoji="1" lang="zh-CN" altLang="en-US"/>
           </a:p>
@@ -1288,7 +1289,7 @@
           <a:p>
             <a:fld id="{D2BD19AD-B9F4-064A-8457-10AA7D12F1A4}" type="datetime1">
               <a:rPr kumimoji="1" lang="zh-CN" altLang="en-US" smtClean="0"/>
-              <a:t>2023/3/29</a:t>
+              <a:t>2023/3/30</a:t>
             </a:fld>
             <a:endParaRPr kumimoji="1" lang="zh-CN" altLang="en-US"/>
           </a:p>
@@ -1539,7 +1540,7 @@
           <a:p>
             <a:fld id="{E785CEAE-4049-C04B-A43E-D0A721F42AAF}" type="datetime1">
               <a:rPr kumimoji="1" lang="zh-CN" altLang="en-US" smtClean="0"/>
-              <a:t>2023/3/29</a:t>
+              <a:t>2023/3/30</a:t>
             </a:fld>
             <a:endParaRPr kumimoji="1" lang="zh-CN" altLang="en-US"/>
           </a:p>
@@ -1704,7 +1705,7 @@
           <a:p>
             <a:fld id="{B28DA8A3-03A4-864F-8085-FD61B31A49CA}" type="datetime1">
               <a:rPr kumimoji="1" lang="zh-CN" altLang="en-US" smtClean="0"/>
-              <a:t>2023/3/29</a:t>
+              <a:t>2023/3/30</a:t>
             </a:fld>
             <a:endParaRPr kumimoji="1" lang="zh-CN" altLang="en-US"/>
           </a:p>
@@ -2042,7 +2043,7 @@
           <a:p>
             <a:fld id="{E0E861D3-4395-CB4E-8978-926D5FEF4946}" type="datetime1">
               <a:rPr kumimoji="1" lang="zh-CN" altLang="en-US" smtClean="0"/>
-              <a:t>2023/3/29</a:t>
+              <a:t>2023/3/30</a:t>
             </a:fld>
             <a:endParaRPr kumimoji="1" lang="zh-CN" altLang="en-US"/>
           </a:p>
@@ -2312,7 +2313,7 @@
           <a:p>
             <a:fld id="{1D0F1A0C-C526-CB40-8735-FA82370D1FF5}" type="datetime1">
               <a:rPr kumimoji="1" lang="zh-CN" altLang="en-US" smtClean="0"/>
-              <a:t>2023/3/29</a:t>
+              <a:t>2023/3/30</a:t>
             </a:fld>
             <a:endParaRPr kumimoji="1" lang="zh-CN" altLang="en-US"/>
           </a:p>
@@ -2686,7 +2687,7 @@
           <a:p>
             <a:fld id="{70EB4DA2-09BA-4942-8FCD-779B85F52444}" type="datetime1">
               <a:rPr kumimoji="1" lang="zh-CN" altLang="en-US" smtClean="0"/>
-              <a:t>2023/3/29</a:t>
+              <a:t>2023/3/30</a:t>
             </a:fld>
             <a:endParaRPr kumimoji="1" lang="zh-CN" altLang="en-US"/>
           </a:p>
@@ -2799,7 +2800,7 @@
           <a:p>
             <a:fld id="{C2386F9D-875E-F249-93C2-76707FB78C02}" type="datetime1">
               <a:rPr kumimoji="1" lang="zh-CN" altLang="en-US" smtClean="0"/>
-              <a:t>2023/3/29</a:t>
+              <a:t>2023/3/30</a:t>
             </a:fld>
             <a:endParaRPr kumimoji="1" lang="zh-CN" altLang="en-US"/>
           </a:p>
@@ -2965,7 +2966,7 @@
           <a:p>
             <a:fld id="{4327DC54-107C-284E-951B-14146E84BCBE}" type="datetime1">
               <a:rPr kumimoji="1" lang="zh-CN" altLang="en-US" smtClean="0"/>
-              <a:t>2023/3/29</a:t>
+              <a:t>2023/3/30</a:t>
             </a:fld>
             <a:endParaRPr kumimoji="1" lang="zh-CN" altLang="en-US"/>
           </a:p>
@@ -3314,7 +3315,7 @@
           <a:p>
             <a:fld id="{AA272474-5A0F-874D-AFDF-5D8DF8956D6C}" type="datetime1">
               <a:rPr kumimoji="1" lang="zh-CN" altLang="en-US" smtClean="0"/>
-              <a:t>2023/3/29</a:t>
+              <a:t>2023/3/30</a:t>
             </a:fld>
             <a:endParaRPr kumimoji="1" lang="zh-CN" altLang="en-US"/>
           </a:p>
@@ -3686,7 +3687,7 @@
           <a:p>
             <a:fld id="{A565E423-3D7D-F74A-B149-2A6F341A82F3}" type="datetime1">
               <a:rPr kumimoji="1" lang="zh-CN" altLang="en-US" smtClean="0"/>
-              <a:t>2023/3/29</a:t>
+              <a:t>2023/3/30</a:t>
             </a:fld>
             <a:endParaRPr kumimoji="1" lang="zh-CN" altLang="en-US"/>
           </a:p>
@@ -3968,7 +3969,7 @@
           <a:p>
             <a:fld id="{ECD6C483-0F5F-9E41-8F57-452BD2DA486D}" type="datetime1">
               <a:rPr kumimoji="1" lang="zh-CN" altLang="en-US" smtClean="0"/>
-              <a:t>2023/3/29</a:t>
+              <a:t>2023/3/30</a:t>
             </a:fld>
             <a:endParaRPr kumimoji="1" lang="zh-CN" altLang="en-US"/>
           </a:p>
@@ -9124,7 +9125,7 @@
             </a:r>
             <a:r>
               <a:rPr kumimoji="1" lang="en-US" altLang="zh-CN" dirty="0"/>
-              <a:t>FUSE works?</a:t>
+              <a:t>FUSE works? (A typical workflow)</a:t>
             </a:r>
             <a:endParaRPr kumimoji="1" lang="zh-CN" altLang="en-US" dirty="0"/>
           </a:p>
@@ -9173,8 +9174,8 @@
         </p:nvSpPr>
         <p:spPr>
           <a:xfrm>
-            <a:off x="68580" y="1812926"/>
-            <a:ext cx="9189720" cy="4431983"/>
+            <a:off x="68580" y="1594811"/>
+            <a:ext cx="9189720" cy="5047536"/>
           </a:xfrm>
           <a:prstGeom prst="rect">
             <a:avLst/>
@@ -9187,17 +9188,6 @@
           </a:bodyPr>
           <a:lstStyle/>
           <a:p>
-            <a:pPr marL="285750" indent="-285750">
-              <a:buFont typeface="Arial" panose="020B0604020202020204" pitchFamily="34" charset="0"/>
-              <a:buChar char="•"/>
-            </a:pPr>
-            <a:r>
-              <a:rPr lang="en-US" sz="1600" dirty="0"/>
-              <a:t>FUSE is particularly useful for writing virtual file systems. Unlike traditional file systems that essentially work with data on mass storage, virtual filesystems don't actually store data themselves. They act as a view or translation of an existing file system or storage device.</a:t>
-            </a:r>
-            <a:endParaRPr lang="en-HK" sz="1600" dirty="0"/>
-          </a:p>
-          <a:p>
             <a:endParaRPr lang="en" altLang="zh-CN" b="0" i="0" dirty="0">
               <a:effectLst/>
               <a:latin typeface="Söhne"/>
@@ -9221,13 +9211,10 @@
               <a:buFont typeface="+mj-lt"/>
               <a:buAutoNum type="arabicPeriod"/>
             </a:pPr>
-            <a:r>
-              <a:rPr lang="en" altLang="zh-CN" b="0" i="0" dirty="0">
-                <a:effectLst/>
-                <a:latin typeface="Söhne"/>
-              </a:rPr>
-              <a:t>The user-space FUSE file system is started. This file system is implemented as a separate process that communicates with the kernel through the FUSE module.</a:t>
-            </a:r>
+            <a:endParaRPr lang="en" altLang="zh-CN" b="0" i="0" dirty="0">
+              <a:effectLst/>
+              <a:latin typeface="Söhne"/>
+            </a:endParaRPr>
           </a:p>
           <a:p>
             <a:pPr algn="l">
@@ -9239,7 +9226,7 @@
                 <a:effectLst/>
                 <a:latin typeface="Söhne"/>
               </a:rPr>
-              <a:t>When a file system operation is performed, such as reading or writing a file, the request is sent to the FUSE module in the kernel.</a:t>
+              <a:t>The user-space FUSE file system is started. This file system is implemented as a separate process that communicates with the kernel through the FUSE module.</a:t>
             </a:r>
           </a:p>
           <a:p>
@@ -9247,13 +9234,10 @@
               <a:buFont typeface="+mj-lt"/>
               <a:buAutoNum type="arabicPeriod"/>
             </a:pPr>
-            <a:r>
-              <a:rPr lang="en" altLang="zh-CN" b="0" i="0" dirty="0">
-                <a:effectLst/>
-                <a:latin typeface="Söhne"/>
-              </a:rPr>
-              <a:t>The FUSE module forwards the request to the user-space FUSE file system process.</a:t>
-            </a:r>
+            <a:endParaRPr lang="en" altLang="zh-CN" b="0" i="0" dirty="0">
+              <a:effectLst/>
+              <a:latin typeface="Söhne"/>
+            </a:endParaRPr>
           </a:p>
           <a:p>
             <a:pPr algn="l">
@@ -9265,8 +9249,64 @@
                 <a:effectLst/>
                 <a:latin typeface="Söhne"/>
               </a:rPr>
+              <a:t>When a file system operation is performed, such as reading or writing a file, the request is sent to the FUSE module in the kernel.</a:t>
+            </a:r>
+          </a:p>
+          <a:p>
+            <a:pPr algn="l">
+              <a:buFont typeface="+mj-lt"/>
+              <a:buAutoNum type="arabicPeriod"/>
+            </a:pPr>
+            <a:endParaRPr lang="en" altLang="zh-CN" b="0" i="0" dirty="0">
+              <a:effectLst/>
+              <a:latin typeface="Söhne"/>
+            </a:endParaRPr>
+          </a:p>
+          <a:p>
+            <a:pPr algn="l">
+              <a:buFont typeface="+mj-lt"/>
+              <a:buAutoNum type="arabicPeriod"/>
+            </a:pPr>
+            <a:r>
+              <a:rPr lang="en" altLang="zh-CN" b="0" i="0" dirty="0">
+                <a:effectLst/>
+                <a:latin typeface="Söhne"/>
+              </a:rPr>
+              <a:t>The FUSE module forwards the request to the user-space FUSE file system process.</a:t>
+            </a:r>
+          </a:p>
+          <a:p>
+            <a:pPr algn="l">
+              <a:buFont typeface="+mj-lt"/>
+              <a:buAutoNum type="arabicPeriod"/>
+            </a:pPr>
+            <a:endParaRPr lang="en" altLang="zh-CN" b="0" i="0" dirty="0">
+              <a:effectLst/>
+              <a:latin typeface="Söhne"/>
+            </a:endParaRPr>
+          </a:p>
+          <a:p>
+            <a:pPr algn="l">
+              <a:buFont typeface="+mj-lt"/>
+              <a:buAutoNum type="arabicPeriod"/>
+            </a:pPr>
+            <a:r>
+              <a:rPr lang="en" altLang="zh-CN" b="0" i="0" dirty="0">
+                <a:effectLst/>
+                <a:latin typeface="Söhne"/>
+              </a:rPr>
               <a:t>The user-space FUSE file system processes the request and sends a response back to the kernel through the FUSE module.</a:t>
             </a:r>
+          </a:p>
+          <a:p>
+            <a:pPr algn="l">
+              <a:buFont typeface="+mj-lt"/>
+              <a:buAutoNum type="arabicPeriod"/>
+            </a:pPr>
+            <a:endParaRPr lang="en" altLang="zh-CN" b="0" i="0" dirty="0">
+              <a:effectLst/>
+              <a:latin typeface="Söhne"/>
+            </a:endParaRPr>
           </a:p>
           <a:p>
             <a:pPr algn="l">
@@ -10272,6 +10312,101 @@
     <p:extLst>
       <p:ext uri="{BB962C8B-B14F-4D97-AF65-F5344CB8AC3E}">
         <p14:creationId xmlns:p14="http://schemas.microsoft.com/office/powerpoint/2010/main" val="1595070808"/>
+      </p:ext>
+    </p:extLst>
+  </p:cSld>
+  <p:clrMapOvr>
+    <a:masterClrMapping/>
+  </p:clrMapOvr>
+</p:sld>
+</file>
+
+<file path=ppt/slides/slide28.xml><?xml version="1.0" encoding="utf-8"?>
+<p:sld xmlns:a="http://schemas.openxmlformats.org/drawingml/2006/main" xmlns:r="http://schemas.openxmlformats.org/officeDocument/2006/relationships" xmlns:p="http://schemas.openxmlformats.org/presentationml/2006/main">
+  <p:cSld>
+    <p:spTree>
+      <p:nvGrpSpPr>
+        <p:cNvPr id="1" name=""/>
+        <p:cNvGrpSpPr/>
+        <p:nvPr/>
+      </p:nvGrpSpPr>
+      <p:grpSpPr>
+        <a:xfrm>
+          <a:off x="0" y="0"/>
+          <a:ext cx="0" cy="0"/>
+          <a:chOff x="0" y="0"/>
+          <a:chExt cx="0" cy="0"/>
+        </a:xfrm>
+      </p:grpSpPr>
+      <p:sp>
+        <p:nvSpPr>
+          <p:cNvPr id="4" name="灯片编号占位符 3">
+            <a:extLst>
+              <a:ext uri="{FF2B5EF4-FFF2-40B4-BE49-F238E27FC236}">
+                <a16:creationId xmlns:a16="http://schemas.microsoft.com/office/drawing/2014/main" id="{9E5558B7-877C-7E4B-AED7-55F9177356A6}"/>
+              </a:ext>
+            </a:extLst>
+          </p:cNvPr>
+          <p:cNvSpPr>
+            <a:spLocks noGrp="1"/>
+          </p:cNvSpPr>
+          <p:nvPr>
+            <p:ph type="sldNum" sz="quarter" idx="12"/>
+          </p:nvPr>
+        </p:nvSpPr>
+        <p:spPr/>
+        <p:txBody>
+          <a:bodyPr/>
+          <a:lstStyle/>
+          <a:p>
+            <a:fld id="{516AE904-116B-CF46-80CD-420BCD58D1B7}" type="slidenum">
+              <a:rPr kumimoji="1" lang="zh-CN" altLang="en-US" smtClean="0"/>
+              <a:t>28</a:t>
+            </a:fld>
+            <a:endParaRPr kumimoji="1" lang="zh-CN" altLang="en-US"/>
+          </a:p>
+        </p:txBody>
+      </p:sp>
+      <p:sp>
+        <p:nvSpPr>
+          <p:cNvPr id="5" name="文本框 4">
+            <a:extLst>
+              <a:ext uri="{FF2B5EF4-FFF2-40B4-BE49-F238E27FC236}">
+                <a16:creationId xmlns:a16="http://schemas.microsoft.com/office/drawing/2014/main" id="{03950163-4176-2F40-8004-453DE0D94E73}"/>
+              </a:ext>
+            </a:extLst>
+          </p:cNvPr>
+          <p:cNvSpPr txBox="1"/>
+          <p:nvPr/>
+        </p:nvSpPr>
+        <p:spPr>
+          <a:xfrm>
+            <a:off x="855023" y="1128156"/>
+            <a:ext cx="9045435" cy="646331"/>
+          </a:xfrm>
+          <a:prstGeom prst="rect">
+            <a:avLst/>
+          </a:prstGeom>
+          <a:noFill/>
+        </p:spPr>
+        <p:txBody>
+          <a:bodyPr wrap="square" rtlCol="0">
+            <a:spAutoFit/>
+          </a:bodyPr>
+          <a:lstStyle/>
+          <a:p>
+            <a:r>
+              <a:rPr kumimoji="1" lang="en-US" altLang="zh-CN" sz="3600" dirty="0"/>
+              <a:t>Any Questions?</a:t>
+            </a:r>
+            <a:endParaRPr kumimoji="1" lang="zh-CN" altLang="en-US" sz="3600" dirty="0"/>
+          </a:p>
+        </p:txBody>
+      </p:sp>
+    </p:spTree>
+    <p:extLst>
+      <p:ext uri="{BB962C8B-B14F-4D97-AF65-F5344CB8AC3E}">
+        <p14:creationId xmlns:p14="http://schemas.microsoft.com/office/powerpoint/2010/main" val="815190127"/>
       </p:ext>
     </p:extLst>
   </p:cSld>
